--- a/Zoom_Test_Run_Summary.pptx
+++ b/Zoom_Test_Run_Summary.pptx
@@ -129,6 +129,50 @@
 </p:presentation>
 </file>
 
+<file path=ppt/changesInfos/changesInfo1.xml><?xml version="1.0" encoding="utf-8"?>
+<pc:chgInfo xmlns:a="http://schemas.openxmlformats.org/drawingml/2006/main" xmlns:r="http://schemas.openxmlformats.org/officeDocument/2006/relationships" xmlns:ac="http://schemas.microsoft.com/office/drawing/2013/main/command" xmlns:pc="http://schemas.microsoft.com/office/powerpoint/2013/main/command">
+  <pc:docChgLst>
+    <pc:chgData name="Tao Sun" userId="a384d41805799956" providerId="LiveId" clId="{AAD2F0DF-47DA-43E6-BE5D-3A0D3541E3D6}"/>
+    <pc:docChg chg="custSel modSld">
+      <pc:chgData name="Tao Sun" userId="a384d41805799956" providerId="LiveId" clId="{AAD2F0DF-47DA-43E6-BE5D-3A0D3541E3D6}" dt="2025-04-28T12:57:37.248" v="17" actId="114"/>
+      <pc:docMkLst>
+        <pc:docMk/>
+      </pc:docMkLst>
+      <pc:sldChg chg="modSp mod">
+        <pc:chgData name="Tao Sun" userId="a384d41805799956" providerId="LiveId" clId="{AAD2F0DF-47DA-43E6-BE5D-3A0D3541E3D6}" dt="2025-04-28T12:55:29.862" v="16" actId="20577"/>
+        <pc:sldMkLst>
+          <pc:docMk/>
+          <pc:sldMk cId="0" sldId="256"/>
+        </pc:sldMkLst>
+        <pc:spChg chg="mod">
+          <ac:chgData name="Tao Sun" userId="a384d41805799956" providerId="LiveId" clId="{AAD2F0DF-47DA-43E6-BE5D-3A0D3541E3D6}" dt="2025-04-28T12:55:29.862" v="16" actId="20577"/>
+          <ac:spMkLst>
+            <pc:docMk/>
+            <pc:sldMk cId="0" sldId="256"/>
+            <ac:spMk id="2" creationId="{00000000-0000-0000-0000-000000000000}"/>
+          </ac:spMkLst>
+        </pc:spChg>
+      </pc:sldChg>
+      <pc:sldChg chg="modSp mod">
+        <pc:chgData name="Tao Sun" userId="a384d41805799956" providerId="LiveId" clId="{AAD2F0DF-47DA-43E6-BE5D-3A0D3541E3D6}" dt="2025-04-28T12:57:37.248" v="17" actId="114"/>
+        <pc:sldMkLst>
+          <pc:docMk/>
+          <pc:sldMk cId="0" sldId="258"/>
+        </pc:sldMkLst>
+        <pc:spChg chg="mod">
+          <ac:chgData name="Tao Sun" userId="a384d41805799956" providerId="LiveId" clId="{AAD2F0DF-47DA-43E6-BE5D-3A0D3541E3D6}" dt="2025-04-28T12:57:37.248" v="17" actId="114"/>
+          <ac:spMkLst>
+            <pc:docMk/>
+            <pc:sldMk cId="0" sldId="258"/>
+            <ac:spMk id="3" creationId="{00000000-0000-0000-0000-000000000000}"/>
+          </ac:spMkLst>
+        </pc:spChg>
+      </pc:sldChg>
+    </pc:docChg>
+  </pc:docChgLst>
+</pc:chgInfo>
+</file>
+
 <file path=ppt/slideLayouts/slideLayout1.xml><?xml version="1.0" encoding="utf-8"?>
 <p:sldLayout xmlns:a="http://schemas.openxmlformats.org/drawingml/2006/main" xmlns:r="http://schemas.openxmlformats.org/officeDocument/2006/relationships" xmlns:p="http://schemas.openxmlformats.org/presentationml/2006/main" type="title" preserve="1">
   <p:cSld name="Title Slide">
@@ -308,7 +352,7 @@
           <a:p>
             <a:fld id="{5BCAD085-E8A6-8845-BD4E-CB4CCA059FC4}" type="datetimeFigureOut">
               <a:rPr lang="en-US" smtClean="0"/>
-              <a:t>4/27/2025</a:t>
+              <a:t>4/28/2025</a:t>
             </a:fld>
             <a:endParaRPr lang="en-US"/>
           </a:p>
@@ -476,7 +520,7 @@
           <a:p>
             <a:fld id="{5BCAD085-E8A6-8845-BD4E-CB4CCA059FC4}" type="datetimeFigureOut">
               <a:rPr lang="en-US" smtClean="0"/>
-              <a:t>4/27/2025</a:t>
+              <a:t>4/28/2025</a:t>
             </a:fld>
             <a:endParaRPr lang="en-US"/>
           </a:p>
@@ -654,7 +698,7 @@
           <a:p>
             <a:fld id="{5BCAD085-E8A6-8845-BD4E-CB4CCA059FC4}" type="datetimeFigureOut">
               <a:rPr lang="en-US" smtClean="0"/>
-              <a:t>4/27/2025</a:t>
+              <a:t>4/28/2025</a:t>
             </a:fld>
             <a:endParaRPr lang="en-US"/>
           </a:p>
@@ -822,7 +866,7 @@
           <a:p>
             <a:fld id="{5BCAD085-E8A6-8845-BD4E-CB4CCA059FC4}" type="datetimeFigureOut">
               <a:rPr lang="en-US" smtClean="0"/>
-              <a:t>4/27/2025</a:t>
+              <a:t>4/28/2025</a:t>
             </a:fld>
             <a:endParaRPr lang="en-US"/>
           </a:p>
@@ -1067,7 +1111,7 @@
           <a:p>
             <a:fld id="{5BCAD085-E8A6-8845-BD4E-CB4CCA059FC4}" type="datetimeFigureOut">
               <a:rPr lang="en-US" smtClean="0"/>
-              <a:t>4/27/2025</a:t>
+              <a:t>4/28/2025</a:t>
             </a:fld>
             <a:endParaRPr lang="en-US"/>
           </a:p>
@@ -1352,7 +1396,7 @@
           <a:p>
             <a:fld id="{5BCAD085-E8A6-8845-BD4E-CB4CCA059FC4}" type="datetimeFigureOut">
               <a:rPr lang="en-US" smtClean="0"/>
-              <a:t>4/27/2025</a:t>
+              <a:t>4/28/2025</a:t>
             </a:fld>
             <a:endParaRPr lang="en-US"/>
           </a:p>
@@ -1771,7 +1815,7 @@
           <a:p>
             <a:fld id="{5BCAD085-E8A6-8845-BD4E-CB4CCA059FC4}" type="datetimeFigureOut">
               <a:rPr lang="en-US" smtClean="0"/>
-              <a:t>4/27/2025</a:t>
+              <a:t>4/28/2025</a:t>
             </a:fld>
             <a:endParaRPr lang="en-US"/>
           </a:p>
@@ -1888,7 +1932,7 @@
           <a:p>
             <a:fld id="{5BCAD085-E8A6-8845-BD4E-CB4CCA059FC4}" type="datetimeFigureOut">
               <a:rPr lang="en-US" smtClean="0"/>
-              <a:t>4/27/2025</a:t>
+              <a:t>4/28/2025</a:t>
             </a:fld>
             <a:endParaRPr lang="en-US"/>
           </a:p>
@@ -1983,7 +2027,7 @@
           <a:p>
             <a:fld id="{5BCAD085-E8A6-8845-BD4E-CB4CCA059FC4}" type="datetimeFigureOut">
               <a:rPr lang="en-US" smtClean="0"/>
-              <a:t>4/27/2025</a:t>
+              <a:t>4/28/2025</a:t>
             </a:fld>
             <a:endParaRPr lang="en-US"/>
           </a:p>
@@ -2258,7 +2302,7 @@
           <a:p>
             <a:fld id="{5BCAD085-E8A6-8845-BD4E-CB4CCA059FC4}" type="datetimeFigureOut">
               <a:rPr lang="en-US" smtClean="0"/>
-              <a:t>4/27/2025</a:t>
+              <a:t>4/28/2025</a:t>
             </a:fld>
             <a:endParaRPr lang="en-US"/>
           </a:p>
@@ -2510,7 +2554,7 @@
           <a:p>
             <a:fld id="{5BCAD085-E8A6-8845-BD4E-CB4CCA059FC4}" type="datetimeFigureOut">
               <a:rPr lang="en-US" smtClean="0"/>
-              <a:t>4/27/2025</a:t>
+              <a:t>4/28/2025</a:t>
             </a:fld>
             <a:endParaRPr lang="en-US"/>
           </a:p>
@@ -2721,7 +2765,7 @@
           <a:p>
             <a:fld id="{5BCAD085-E8A6-8845-BD4E-CB4CCA059FC4}" type="datetimeFigureOut">
               <a:rPr lang="en-US" smtClean="0"/>
-              <a:t>4/27/2025</a:t>
+              <a:t>4/28/2025</a:t>
             </a:fld>
             <a:endParaRPr lang="en-US"/>
           </a:p>
@@ -3112,7 +3156,16 @@
           <a:lstStyle/>
           <a:p>
             <a:r>
-              <a:t>Test Run Summary for Research Assistant Position</a:t>
+              <a:rPr dirty="0"/>
+              <a:t>Test Run Summary for Research Assistant</a:t>
+            </a:r>
+            <a:r>
+              <a:rPr lang="en-CA" dirty="0"/>
+              <a:t> – Data Analysis</a:t>
+            </a:r>
+            <a:r>
+              <a:rPr dirty="0"/>
+              <a:t> Position</a:t>
             </a:r>
           </a:p>
         </p:txBody>
@@ -3386,7 +3439,15 @@
             </a:pPr>
             <a:r>
               <a:rPr dirty="0"/>
-              <a:t>  - Volcano plot: 8 candidate DEGs (p &lt; 0.05).</a:t>
+              <a:t>  - Volcano plot: 8 candidate DEGs (</a:t>
+            </a:r>
+            <a:r>
+              <a:rPr i="1" dirty="0"/>
+              <a:t>p</a:t>
+            </a:r>
+            <a:r>
+              <a:rPr dirty="0"/>
+              <a:t> &lt; 0.05).</a:t>
             </a:r>
           </a:p>
           <a:p>
